--- a/Documents/동적프로그래밍(Dynamic Programming).pptx
+++ b/Documents/동적프로그래밍(Dynamic Programming).pptx
@@ -7256,8 +7256,8 @@
         </p:nvSpPr>
         <p:spPr>
           <a:xfrm>
-            <a:off x="576943" y="1621532"/>
-            <a:ext cx="11095104" cy="923330"/>
+            <a:off x="161365" y="1621532"/>
+            <a:ext cx="11510682" cy="1200329"/>
           </a:xfrm>
           <a:prstGeom prst="rect">
             <a:avLst/>
@@ -7345,8 +7345,56 @@
               <a:t>(Static)</a:t>
             </a:r>
             <a:r>
+              <a:rPr lang="ko-KR" altLang="en-US"/>
+              <a:t>의 반대와는 </a:t>
+            </a:r>
+            <a:r>
               <a:rPr lang="ko-KR" altLang="en-US" dirty="0"/>
-              <a:t>과는 크게 상관이 없다</a:t>
+              <a:t>크게 상관이 없다</a:t>
+            </a:r>
+            <a:r>
+              <a:rPr lang="en-US" altLang="ko-KR" dirty="0"/>
+              <a:t>. </a:t>
+            </a:r>
+            <a:r>
+              <a:rPr lang="ko-KR" altLang="en-US" dirty="0"/>
+              <a:t>이 </a:t>
+            </a:r>
+            <a:r>
+              <a:rPr lang="ko-KR" altLang="en-US" b="1" dirty="0"/>
+              <a:t>단계적 전개</a:t>
+            </a:r>
+            <a:r>
+              <a:rPr lang="en-US" altLang="ko-KR" b="1" dirty="0"/>
+              <a:t>(sequential, time-evolving)</a:t>
+            </a:r>
+            <a:r>
+              <a:rPr lang="ko-KR" altLang="en-US" dirty="0"/>
+              <a:t> 구조를 그 당시 수학</a:t>
+            </a:r>
+            <a:r>
+              <a:rPr lang="en-US" altLang="ko-KR" dirty="0"/>
+              <a:t>/</a:t>
+            </a:r>
+            <a:r>
+              <a:rPr lang="ko-KR" altLang="en-US" dirty="0"/>
+              <a:t>최적화 분야에서는 </a:t>
+            </a:r>
+            <a:r>
+              <a:rPr lang="en-US" altLang="ko-KR" b="1" dirty="0"/>
+              <a:t>dynamic process(</a:t>
+            </a:r>
+            <a:r>
+              <a:rPr lang="ko-KR" altLang="en-US" b="1" dirty="0"/>
+              <a:t>동적 과정</a:t>
+            </a:r>
+            <a:r>
+              <a:rPr lang="en-US" altLang="ko-KR" b="1" dirty="0"/>
+              <a:t>)</a:t>
+            </a:r>
+            <a:r>
+              <a:rPr lang="ko-KR" altLang="en-US" dirty="0"/>
+              <a:t> 이라고 불렀다</a:t>
             </a:r>
             <a:r>
               <a:rPr lang="en-US" altLang="ko-KR" dirty="0"/>
@@ -11249,8 +11297,8 @@
           </a:p>
         </p:txBody>
       </p:sp>
-      <mc:AlternateContent xmlns:mc="http://schemas.openxmlformats.org/markup-compatibility/2006">
-        <mc:Choice xmlns:a14="http://schemas.microsoft.com/office/drawing/2010/main" Requires="a14">
+      <mc:AlternateContent xmlns:mc="http://schemas.openxmlformats.org/markup-compatibility/2006" xmlns:a14="http://schemas.microsoft.com/office/drawing/2010/main">
+        <mc:Choice Requires="a14">
           <p:sp>
             <p:nvSpPr>
               <p:cNvPr id="7" name="TextBox 6">
@@ -11596,7 +11644,7 @@
             </p:txBody>
           </p:sp>
         </mc:Choice>
-        <mc:Fallback>
+        <mc:Fallback xmlns="">
           <p:sp>
             <p:nvSpPr>
               <p:cNvPr id="7" name="TextBox 6">
